--- a/intelligentCities/onboarding.pptx
+++ b/intelligentCities/onboarding.pptx
@@ -354,7 +354,7 @@
                   <a:srgbClr val="898989"/>
                 </a:solidFill>
               </a:rPr>
-              <a:t>2/23/17</a:t>
+              <a:t>2/24/17</a:t>
             </a:fld>
             <a:endParaRPr lang="en-US">
               <a:solidFill>
@@ -541,7 +541,7 @@
             <a:fld id="{23C0586E-364E-4372-80AA-1C929B9BCABF}" type="datetimeFigureOut">
               <a:rPr lang="en-US" smtClean="0"/>
               <a:pPr/>
-              <a:t>2/23/17</a:t>
+              <a:t>2/24/17</a:t>
             </a:fld>
             <a:endParaRPr lang="en-US"/>
           </a:p>
@@ -811,91 +811,6 @@
 </p:notesMaster>
 </file>
 
-<file path=ppt/notesSlides/notesSlide1.xml><?xml version="1.0" encoding="utf-8"?>
-<p:notes xmlns:a="http://schemas.openxmlformats.org/drawingml/2006/main" xmlns:r="http://schemas.openxmlformats.org/officeDocument/2006/relationships" xmlns:p="http://schemas.openxmlformats.org/presentationml/2006/main">
-  <p:cSld>
-    <p:spTree>
-      <p:nvGrpSpPr>
-        <p:cNvPr id="1" name=""/>
-        <p:cNvGrpSpPr/>
-        <p:nvPr/>
-      </p:nvGrpSpPr>
-      <p:grpSpPr>
-        <a:xfrm>
-          <a:off x="0" y="0"/>
-          <a:ext cx="0" cy="0"/>
-          <a:chOff x="0" y="0"/>
-          <a:chExt cx="0" cy="0"/>
-        </a:xfrm>
-      </p:grpSpPr>
-      <p:sp>
-        <p:nvSpPr>
-          <p:cNvPr id="2" name="Slide Image Placeholder 1"/>
-          <p:cNvSpPr>
-            <a:spLocks noGrp="1" noRot="1" noChangeAspect="1"/>
-          </p:cNvSpPr>
-          <p:nvPr>
-            <p:ph type="sldImg"/>
-          </p:nvPr>
-        </p:nvSpPr>
-        <p:spPr/>
-      </p:sp>
-      <p:sp>
-        <p:nvSpPr>
-          <p:cNvPr id="3" name="Notes Placeholder 2"/>
-          <p:cNvSpPr>
-            <a:spLocks noGrp="1"/>
-          </p:cNvSpPr>
-          <p:nvPr>
-            <p:ph type="body" idx="1"/>
-          </p:nvPr>
-        </p:nvSpPr>
-        <p:spPr/>
-        <p:txBody>
-          <a:bodyPr/>
-          <a:lstStyle/>
-          <a:p>
-            <a:endParaRPr lang="en-US"/>
-          </a:p>
-        </p:txBody>
-      </p:sp>
-      <p:sp>
-        <p:nvSpPr>
-          <p:cNvPr id="4" name="Slide Number Placeholder 3"/>
-          <p:cNvSpPr>
-            <a:spLocks noGrp="1"/>
-          </p:cNvSpPr>
-          <p:nvPr>
-            <p:ph type="sldNum" sz="quarter" idx="10"/>
-          </p:nvPr>
-        </p:nvSpPr>
-        <p:spPr/>
-        <p:txBody>
-          <a:bodyPr/>
-          <a:lstStyle/>
-          <a:p>
-            <a:fld id="{4A55B9BF-99C7-425D-A1C7-4E0B8871658A}" type="slidenum">
-              <a:rPr lang="en-US" smtClean="0"/>
-              <a:pPr/>
-              <a:t>1</a:t>
-            </a:fld>
-            <a:endParaRPr lang="en-US"/>
-          </a:p>
-        </p:txBody>
-      </p:sp>
-    </p:spTree>
-    <p:extLst>
-      <p:ext uri="{BB962C8B-B14F-4D97-AF65-F5344CB8AC3E}">
-        <p14:creationId xmlns:p14="http://schemas.microsoft.com/office/powerpoint/2010/main" val="1310033177"/>
-      </p:ext>
-    </p:extLst>
-  </p:cSld>
-  <p:clrMapOvr>
-    <a:masterClrMapping/>
-  </p:clrMapOvr>
-</p:notes>
-</file>
-
 <file path=ppt/slideLayouts/slideLayout1.xml><?xml version="1.0" encoding="utf-8"?>
 <p:sldLayout xmlns:a="http://schemas.openxmlformats.org/drawingml/2006/main" xmlns:r="http://schemas.openxmlformats.org/officeDocument/2006/relationships" xmlns:p="http://schemas.openxmlformats.org/presentationml/2006/main" type="blank" preserve="1">
   <p:cSld name="Blank">
@@ -1486,12 +1401,7 @@
             <p:ph type="title"/>
           </p:nvPr>
         </p:nvSpPr>
-        <p:spPr>
-          <a:xfrm>
-            <a:off x="505327" y="348214"/>
-            <a:ext cx="11133308" cy="1021002"/>
-          </a:xfrm>
-        </p:spPr>
+        <p:spPr/>
         <p:txBody>
           <a:bodyPr/>
           <a:lstStyle/>
@@ -1519,7 +1429,7 @@
         </p:nvSpPr>
         <p:spPr>
           <a:xfrm>
-            <a:off x="505327" y="763022"/>
+            <a:off x="511931" y="1178494"/>
             <a:ext cx="11126704" cy="5313405"/>
           </a:xfrm>
         </p:spPr>
@@ -1528,7 +1438,7 @@
           <a:lstStyle/>
           <a:p>
             <a:r>
-              <a:rPr lang="en-US" sz="1800" dirty="0" smtClean="0"/>
+              <a:rPr lang="en-US" sz="1600" dirty="0" smtClean="0"/>
               <a:t>Documentation: </a:t>
             </a:r>
           </a:p>
@@ -1539,13 +1449,13 @@
             </a:pPr>
             <a:r>
               <a:rPr lang="en-US" sz="1400" dirty="0">
-                <a:hlinkClick r:id="rId3"/>
+                <a:hlinkClick r:id="rId2"/>
               </a:rPr>
               <a:t>https://</a:t>
             </a:r>
             <a:r>
               <a:rPr lang="en-US" sz="1400" dirty="0" smtClean="0">
-                <a:hlinkClick r:id="rId3"/>
+                <a:hlinkClick r:id="rId2"/>
               </a:rPr>
               <a:t>ie-cities-docs.run.aws-usw02-pr.ice.predix.io</a:t>
             </a:r>
@@ -1556,20 +1466,12 @@
           </a:p>
           <a:p>
             <a:r>
-              <a:rPr lang="en-US" sz="1800" dirty="0" smtClean="0"/>
-              <a:t>User Account &amp; Authentication (UAA) </a:t>
-            </a:r>
-            <a:r>
-              <a:rPr lang="en-US" sz="1800" dirty="0"/>
-              <a:t>Service </a:t>
-            </a:r>
-            <a:r>
-              <a:rPr lang="en-US" sz="1800" dirty="0" smtClean="0"/>
-              <a:t>(</a:t>
-            </a:r>
-            <a:r>
-              <a:rPr lang="en-US" sz="1800" dirty="0"/>
-              <a:t>OAuth2): </a:t>
+              <a:rPr lang="en-US" sz="1600" dirty="0" err="1" smtClean="0"/>
+              <a:t>Websocket</a:t>
+            </a:r>
+            <a:r>
+              <a:rPr lang="en-US" sz="1600" dirty="0" smtClean="0"/>
+              <a:t> URL: </a:t>
             </a:r>
           </a:p>
           <a:p>
@@ -1578,28 +1480,87 @@
               <a:buChar char="•"/>
             </a:pPr>
             <a:r>
-              <a:rPr lang="en-US" sz="1400" dirty="0" smtClean="0"/>
-              <a:t>Base URL: </a:t>
+              <a:rPr lang="en-US" sz="1400" dirty="0" err="1" smtClean="0">
+                <a:solidFill>
+                  <a:schemeClr val="tx2"/>
+                </a:solidFill>
+              </a:rPr>
+              <a:t>wss</a:t>
             </a:r>
             <a:r>
               <a:rPr lang="en-US" sz="1400" dirty="0" smtClean="0">
-                <a:hlinkClick r:id="rId4"/>
-              </a:rPr>
-              <a:t>https</a:t>
-            </a:r>
-            <a:r>
-              <a:rPr lang="en-US" sz="1400" dirty="0">
-                <a:hlinkClick r:id="rId4"/>
+                <a:solidFill>
+                  <a:schemeClr val="tx2"/>
+                </a:solidFill>
               </a:rPr>
               <a:t>://</a:t>
             </a:r>
             <a:r>
+              <a:rPr lang="en-US" sz="1400" dirty="0" err="1" smtClean="0">
+                <a:solidFill>
+                  <a:schemeClr val="tx2"/>
+                </a:solidFill>
+              </a:rPr>
+              <a:t>ie</a:t>
+            </a:r>
+            <a:r>
               <a:rPr lang="en-US" sz="1400" dirty="0" smtClean="0">
-                <a:hlinkClick r:id="rId4"/>
-              </a:rPr>
-              <a:t>8553482c-1d32-4d38-8597-2e56ab642dd3.predix-uaa.run.asv-pr.ice.predix.io</a:t>
-            </a:r>
-            <a:endParaRPr lang="en-US" sz="1400" dirty="0"/>
+                <a:solidFill>
+                  <a:schemeClr val="tx2"/>
+                </a:solidFill>
+              </a:rPr>
+              <a:t>-cities-</a:t>
+            </a:r>
+            <a:r>
+              <a:rPr lang="en-US" sz="1400" dirty="0" err="1" smtClean="0">
+                <a:solidFill>
+                  <a:schemeClr val="tx2"/>
+                </a:solidFill>
+              </a:rPr>
+              <a:t>websocket.run.asv</a:t>
+            </a:r>
+            <a:r>
+              <a:rPr lang="en-US" sz="1400" dirty="0" smtClean="0">
+                <a:solidFill>
+                  <a:schemeClr val="tx2"/>
+                </a:solidFill>
+              </a:rPr>
+              <a:t>-</a:t>
+            </a:r>
+            <a:r>
+              <a:rPr lang="en-US" sz="1400" dirty="0" err="1" smtClean="0">
+                <a:solidFill>
+                  <a:schemeClr val="tx2"/>
+                </a:solidFill>
+              </a:rPr>
+              <a:t>pr-pub.ice.predix.io</a:t>
+            </a:r>
+            <a:r>
+              <a:rPr lang="en-US" sz="1400" dirty="0" smtClean="0">
+                <a:solidFill>
+                  <a:schemeClr val="tx2"/>
+                </a:solidFill>
+              </a:rPr>
+              <a:t>/events </a:t>
+            </a:r>
+          </a:p>
+          <a:p>
+            <a:r>
+              <a:rPr lang="en-US" sz="1600" dirty="0" smtClean="0"/>
+              <a:t>User Account &amp; Authentication (UAA) </a:t>
+            </a:r>
+            <a:r>
+              <a:rPr lang="en-US" sz="1600" dirty="0"/>
+              <a:t>Service </a:t>
+            </a:r>
+            <a:r>
+              <a:rPr lang="en-US" sz="1600" dirty="0" smtClean="0"/>
+              <a:t>(</a:t>
+            </a:r>
+            <a:r>
+              <a:rPr lang="en-US" sz="1600" dirty="0"/>
+              <a:t>OAuth2): </a:t>
+            </a:r>
           </a:p>
           <a:p>
             <a:pPr marL="342900" indent="-342900">
@@ -1608,6 +1569,35 @@
             </a:pPr>
             <a:r>
               <a:rPr lang="en-US" sz="1400" dirty="0" smtClean="0"/>
+              <a:t>Base URL: </a:t>
+            </a:r>
+            <a:r>
+              <a:rPr lang="en-US" sz="1400" dirty="0" smtClean="0">
+                <a:hlinkClick r:id="rId3"/>
+              </a:rPr>
+              <a:t>https</a:t>
+            </a:r>
+            <a:r>
+              <a:rPr lang="en-US" sz="1400" dirty="0">
+                <a:hlinkClick r:id="rId3"/>
+              </a:rPr>
+              <a:t>://</a:t>
+            </a:r>
+            <a:r>
+              <a:rPr lang="en-US" sz="1400" dirty="0" smtClean="0">
+                <a:hlinkClick r:id="rId3"/>
+              </a:rPr>
+              <a:t>8553482c-1d32-4d38-8597-2e56ab642dd3.predix-uaa.run.asv-pr.ice.predix.io</a:t>
+            </a:r>
+            <a:endParaRPr lang="en-US" sz="1400" dirty="0"/>
+          </a:p>
+          <a:p>
+            <a:pPr marL="342900" indent="-342900">
+              <a:buFont typeface="Arial" charset="0"/>
+              <a:buChar char="•"/>
+            </a:pPr>
+            <a:r>
+              <a:rPr lang="en-US" sz="1400" dirty="0" smtClean="0"/>
               <a:t>Access token URI: </a:t>
             </a:r>
             <a:r>
@@ -1651,13 +1641,13 @@
               <a:t>/token</a:t>
             </a:r>
             <a:r>
-              <a:rPr lang="en-US" sz="1800" dirty="0"/>
+              <a:rPr lang="en-US" sz="1400" dirty="0"/>
               <a:t> </a:t>
             </a:r>
           </a:p>
           <a:p>
             <a:r>
-              <a:rPr lang="en-US" sz="1800" dirty="0" smtClean="0"/>
+              <a:rPr lang="en-US" sz="1600" dirty="0" smtClean="0"/>
               <a:t>Client ID / Client Secret: </a:t>
             </a:r>
           </a:p>
@@ -1701,7 +1691,7 @@
           </a:p>
           <a:p>
             <a:r>
-              <a:rPr lang="en-US" sz="1800" dirty="0" smtClean="0"/>
+              <a:rPr lang="en-US" sz="1600" dirty="0" smtClean="0"/>
               <a:t>Simple curl command to get a token: </a:t>
             </a:r>
           </a:p>
@@ -1712,7 +1702,7 @@
             </a:pPr>
             <a:r>
               <a:rPr lang="en-US" sz="1400" dirty="0"/>
-              <a:t> </a:t>
+              <a:t>Base 64 encoded </a:t>
             </a:r>
             <a:r>
               <a:rPr lang="en-US" sz="1400" i="1" dirty="0" err="1"/>
@@ -1809,62 +1799,33 @@
             </a:r>
             <a:r>
               <a:rPr lang="en-US" sz="1400" dirty="0"/>
-              <a:t>' --data </a:t>
-            </a:r>
-            <a:r>
-              <a:rPr lang="en-US" sz="1400" dirty="0" smtClean="0"/>
+              <a:t>' --data '</a:t>
+            </a:r>
+            <a:r>
+              <a:rPr lang="en-US" sz="1400" dirty="0" err="1"/>
+              <a:t>client_id</a:t>
+            </a:r>
+            <a:r>
+              <a:rPr lang="en-US" sz="1400" dirty="0"/>
+              <a:t>=</a:t>
+            </a:r>
+            <a:r>
+              <a:rPr lang="en-US" sz="1400" dirty="0" err="1"/>
+              <a:t>hackathon&amp;grant_type</a:t>
+            </a:r>
+            <a:r>
+              <a:rPr lang="en-US" sz="1400" dirty="0"/>
+              <a:t>=</a:t>
+            </a:r>
+            <a:r>
+              <a:rPr lang="en-US" sz="1400" dirty="0" err="1"/>
+              <a:t>client_credentials</a:t>
+            </a:r>
+            <a:r>
+              <a:rPr lang="en-US" sz="1400" dirty="0"/>
               <a:t>'</a:t>
             </a:r>
-            <a:r>
-              <a:rPr lang="en-US" sz="1400" dirty="0" err="1" smtClean="0"/>
-              <a:t>client_id</a:t>
-            </a:r>
-            <a:r>
-              <a:rPr lang="en-US" sz="1400" dirty="0" smtClean="0"/>
-              <a:t>=</a:t>
-            </a:r>
-            <a:r>
-              <a:rPr lang="en-US" sz="1400" dirty="0" err="1" smtClean="0"/>
-              <a:t>hackathon&amp;grant_type</a:t>
-            </a:r>
-            <a:r>
-              <a:rPr lang="en-US" sz="1400" dirty="0" smtClean="0"/>
-              <a:t>=</a:t>
-            </a:r>
-            <a:r>
-              <a:rPr lang="en-US" sz="1400" dirty="0" err="1" smtClean="0"/>
-              <a:t>client_credentials</a:t>
-            </a:r>
-            <a:r>
-              <a:rPr lang="en-US" sz="1400" dirty="0" smtClean="0"/>
-              <a:t>’</a:t>
-            </a:r>
-          </a:p>
-          <a:p>
-            <a:r>
-              <a:rPr lang="en-US" sz="1800" dirty="0" smtClean="0"/>
-              <a:t>Postman files provided:</a:t>
-            </a:r>
-          </a:p>
-          <a:p>
-            <a:pPr marL="342900" indent="-342900">
-              <a:buFont typeface="Arial" charset="0"/>
-              <a:buChar char="•"/>
-            </a:pPr>
-            <a:r>
-              <a:rPr lang="en-US" sz="1400" dirty="0"/>
-              <a:t>Postman environment file with all URL</a:t>
-            </a:r>
-          </a:p>
-          <a:p>
-            <a:pPr marL="342900" indent="-342900">
-              <a:buFont typeface="Arial" charset="0"/>
-              <a:buChar char="•"/>
-            </a:pPr>
-            <a:r>
-              <a:rPr lang="en-US" sz="1400" dirty="0"/>
-              <a:t>Postman collection file with sample API calls to intelligent Cities APIs</a:t>
-            </a:r>
+            <a:endParaRPr lang="en-US" sz="1400" dirty="0" smtClean="0"/>
           </a:p>
         </p:txBody>
       </p:sp>

--- a/intelligentCities/onboarding.pptx
+++ b/intelligentCities/onboarding.pptx
@@ -1401,7 +1401,12 @@
             <p:ph type="title"/>
           </p:nvPr>
         </p:nvSpPr>
-        <p:spPr/>
+        <p:spPr>
+          <a:xfrm>
+            <a:off x="498723" y="150694"/>
+            <a:ext cx="11133308" cy="1021002"/>
+          </a:xfrm>
+        </p:spPr>
         <p:txBody>
           <a:bodyPr/>
           <a:lstStyle/>
@@ -1429,7 +1434,7 @@
         </p:nvSpPr>
         <p:spPr>
           <a:xfrm>
-            <a:off x="511931" y="1178494"/>
+            <a:off x="505327" y="552852"/>
             <a:ext cx="11126704" cy="5313405"/>
           </a:xfrm>
         </p:spPr>
@@ -1799,32 +1804,65 @@
             </a:r>
             <a:r>
               <a:rPr lang="en-US" sz="1400" dirty="0"/>
-              <a:t>' --data '</a:t>
-            </a:r>
-            <a:r>
-              <a:rPr lang="en-US" sz="1400" dirty="0" err="1"/>
+              <a:t>' --data </a:t>
+            </a:r>
+            <a:r>
+              <a:rPr lang="en-US" sz="1400" dirty="0" smtClean="0"/>
+              <a:t>'</a:t>
+            </a:r>
+            <a:r>
+              <a:rPr lang="en-US" sz="1400" dirty="0" err="1" smtClean="0"/>
               <a:t>client_id</a:t>
             </a:r>
             <a:r>
-              <a:rPr lang="en-US" sz="1400" dirty="0"/>
+              <a:rPr lang="en-US" sz="1400" dirty="0" smtClean="0"/>
               <a:t>=</a:t>
             </a:r>
             <a:r>
-              <a:rPr lang="en-US" sz="1400" dirty="0" err="1"/>
+              <a:rPr lang="en-US" sz="1400" dirty="0" err="1" smtClean="0"/>
               <a:t>hackathon&amp;grant_type</a:t>
             </a:r>
             <a:r>
-              <a:rPr lang="en-US" sz="1400" dirty="0"/>
+              <a:rPr lang="en-US" sz="1400" dirty="0" smtClean="0"/>
               <a:t>=</a:t>
             </a:r>
             <a:r>
-              <a:rPr lang="en-US" sz="1400" dirty="0" err="1"/>
+              <a:rPr lang="en-US" sz="1400" dirty="0" err="1" smtClean="0"/>
               <a:t>client_credentials</a:t>
             </a:r>
             <a:r>
-              <a:rPr lang="en-US" sz="1400" dirty="0"/>
-              <a:t>'</a:t>
-            </a:r>
+              <a:rPr lang="en-US" sz="1400" dirty="0" smtClean="0"/>
+              <a:t>’</a:t>
+            </a:r>
+          </a:p>
+          <a:p>
+            <a:r>
+              <a:rPr lang="en-US" sz="1400" dirty="0" smtClean="0"/>
+              <a:t>Sample reference application using </a:t>
+            </a:r>
+            <a:r>
+              <a:rPr lang="en-US" sz="1400" dirty="0" err="1" smtClean="0"/>
+              <a:t>AngularJs</a:t>
+            </a:r>
+            <a:r>
+              <a:rPr lang="en-US" sz="1400" dirty="0" smtClean="0"/>
+              <a:t>:</a:t>
+            </a:r>
+          </a:p>
+          <a:p>
+            <a:pPr marL="285750" indent="-285750">
+              <a:buFont typeface="Arial" charset="0"/>
+              <a:buChar char="•"/>
+            </a:pPr>
+            <a:r>
+              <a:rPr lang="en-US" sz="1400" u="sng" dirty="0">
+                <a:hlinkClick r:id="rId4"/>
+              </a:rPr>
+              <a:t>https://github.com/CurrentByGE/ie-angular-cities-ref-app</a:t>
+            </a:r>
+            <a:endParaRPr lang="en-US" sz="1400" dirty="0" smtClean="0"/>
+          </a:p>
+          <a:p>
             <a:endParaRPr lang="en-US" sz="1400" dirty="0" smtClean="0"/>
           </a:p>
         </p:txBody>
